--- a/Microcontoller.pptx
+++ b/Microcontoller.pptx
@@ -8,12 +8,18 @@
     <p:sldId id="256" r:id="rId2"/>
     <p:sldId id="257" r:id="rId3"/>
     <p:sldId id="261" r:id="rId4"/>
-    <p:sldId id="264" r:id="rId5"/>
-    <p:sldId id="265" r:id="rId6"/>
-    <p:sldId id="266" r:id="rId7"/>
-    <p:sldId id="267" r:id="rId8"/>
-    <p:sldId id="268" r:id="rId9"/>
-    <p:sldId id="269" r:id="rId10"/>
+    <p:sldId id="271" r:id="rId5"/>
+    <p:sldId id="264" r:id="rId6"/>
+    <p:sldId id="272" r:id="rId7"/>
+    <p:sldId id="273" r:id="rId8"/>
+    <p:sldId id="274" r:id="rId9"/>
+    <p:sldId id="275" r:id="rId10"/>
+    <p:sldId id="270" r:id="rId11"/>
+    <p:sldId id="265" r:id="rId12"/>
+    <p:sldId id="266" r:id="rId13"/>
+    <p:sldId id="267" r:id="rId14"/>
+    <p:sldId id="268" r:id="rId15"/>
+    <p:sldId id="269" r:id="rId16"/>
   </p:sldIdLst>
   <p:sldSz cx="12192000" cy="6858000"/>
   <p:notesSz cx="6858000" cy="9144000"/>
@@ -251,7 +257,7 @@
           <a:p>
             <a:fld id="{7D755002-2FA2-4D6B-A42E-4C6BC72EB29E}" type="datetimeFigureOut">
               <a:rPr lang="tr-TR" smtClean="0"/>
-              <a:t>24.11.2021</a:t>
+              <a:t>2.03.2024</a:t>
             </a:fld>
             <a:endParaRPr lang="tr-TR"/>
           </a:p>
@@ -421,7 +427,7 @@
           <a:p>
             <a:fld id="{7D755002-2FA2-4D6B-A42E-4C6BC72EB29E}" type="datetimeFigureOut">
               <a:rPr lang="tr-TR" smtClean="0"/>
-              <a:t>24.11.2021</a:t>
+              <a:t>2.03.2024</a:t>
             </a:fld>
             <a:endParaRPr lang="tr-TR"/>
           </a:p>
@@ -601,7 +607,7 @@
           <a:p>
             <a:fld id="{7D755002-2FA2-4D6B-A42E-4C6BC72EB29E}" type="datetimeFigureOut">
               <a:rPr lang="tr-TR" smtClean="0"/>
-              <a:t>24.11.2021</a:t>
+              <a:t>2.03.2024</a:t>
             </a:fld>
             <a:endParaRPr lang="tr-TR"/>
           </a:p>
@@ -771,7 +777,7 @@
           <a:p>
             <a:fld id="{7D755002-2FA2-4D6B-A42E-4C6BC72EB29E}" type="datetimeFigureOut">
               <a:rPr lang="tr-TR" smtClean="0"/>
-              <a:t>24.11.2021</a:t>
+              <a:t>2.03.2024</a:t>
             </a:fld>
             <a:endParaRPr lang="tr-TR"/>
           </a:p>
@@ -1017,7 +1023,7 @@
           <a:p>
             <a:fld id="{7D755002-2FA2-4D6B-A42E-4C6BC72EB29E}" type="datetimeFigureOut">
               <a:rPr lang="tr-TR" smtClean="0"/>
-              <a:t>24.11.2021</a:t>
+              <a:t>2.03.2024</a:t>
             </a:fld>
             <a:endParaRPr lang="tr-TR"/>
           </a:p>
@@ -1249,7 +1255,7 @@
           <a:p>
             <a:fld id="{7D755002-2FA2-4D6B-A42E-4C6BC72EB29E}" type="datetimeFigureOut">
               <a:rPr lang="tr-TR" smtClean="0"/>
-              <a:t>24.11.2021</a:t>
+              <a:t>2.03.2024</a:t>
             </a:fld>
             <a:endParaRPr lang="tr-TR"/>
           </a:p>
@@ -1616,7 +1622,7 @@
           <a:p>
             <a:fld id="{7D755002-2FA2-4D6B-A42E-4C6BC72EB29E}" type="datetimeFigureOut">
               <a:rPr lang="tr-TR" smtClean="0"/>
-              <a:t>24.11.2021</a:t>
+              <a:t>2.03.2024</a:t>
             </a:fld>
             <a:endParaRPr lang="tr-TR"/>
           </a:p>
@@ -1734,7 +1740,7 @@
           <a:p>
             <a:fld id="{7D755002-2FA2-4D6B-A42E-4C6BC72EB29E}" type="datetimeFigureOut">
               <a:rPr lang="tr-TR" smtClean="0"/>
-              <a:t>24.11.2021</a:t>
+              <a:t>2.03.2024</a:t>
             </a:fld>
             <a:endParaRPr lang="tr-TR"/>
           </a:p>
@@ -1829,7 +1835,7 @@
           <a:p>
             <a:fld id="{7D755002-2FA2-4D6B-A42E-4C6BC72EB29E}" type="datetimeFigureOut">
               <a:rPr lang="tr-TR" smtClean="0"/>
-              <a:t>24.11.2021</a:t>
+              <a:t>2.03.2024</a:t>
             </a:fld>
             <a:endParaRPr lang="tr-TR"/>
           </a:p>
@@ -2106,7 +2112,7 @@
           <a:p>
             <a:fld id="{7D755002-2FA2-4D6B-A42E-4C6BC72EB29E}" type="datetimeFigureOut">
               <a:rPr lang="tr-TR" smtClean="0"/>
-              <a:t>24.11.2021</a:t>
+              <a:t>2.03.2024</a:t>
             </a:fld>
             <a:endParaRPr lang="tr-TR"/>
           </a:p>
@@ -2359,7 +2365,7 @@
           <a:p>
             <a:fld id="{7D755002-2FA2-4D6B-A42E-4C6BC72EB29E}" type="datetimeFigureOut">
               <a:rPr lang="tr-TR" smtClean="0"/>
-              <a:t>24.11.2021</a:t>
+              <a:t>2.03.2024</a:t>
             </a:fld>
             <a:endParaRPr lang="tr-TR"/>
           </a:p>
@@ -2572,7 +2578,7 @@
           <a:p>
             <a:fld id="{7D755002-2FA2-4D6B-A42E-4C6BC72EB29E}" type="datetimeFigureOut">
               <a:rPr lang="tr-TR" smtClean="0"/>
-              <a:t>24.11.2021</a:t>
+              <a:t>2.03.2024</a:t>
             </a:fld>
             <a:endParaRPr lang="tr-TR"/>
           </a:p>
@@ -2993,9 +2999,70 @@
           <a:lstStyle/>
           <a:p>
             <a:r>
-              <a:rPr lang="tr-TR" dirty="0"/>
-              <a:t>MEE306 – Microcontrollers</a:t>
-            </a:r>
+              <a:rPr lang="tr-TR" dirty="0" smtClean="0"/>
+              <a:t>MEE427</a:t>
+            </a:r>
+            <a:br>
+              <a:rPr lang="tr-TR" dirty="0" smtClean="0"/>
+            </a:br>
+            <a:r>
+              <a:rPr lang="tr-TR" dirty="0" smtClean="0"/>
+              <a:t>Microcontroller Overview</a:t>
+            </a:r>
+            <a:endParaRPr lang="tr-TR" dirty="0"/>
+          </a:p>
+        </p:txBody>
+      </p:sp>
+      <p:sp>
+        <p:nvSpPr>
+          <p:cNvPr id="3" name="Title 1"/>
+          <p:cNvSpPr txBox="1">
+            <a:spLocks/>
+          </p:cNvSpPr>
+          <p:nvPr/>
+        </p:nvSpPr>
+        <p:spPr>
+          <a:xfrm>
+            <a:off x="1524000" y="4027294"/>
+            <a:ext cx="9144000" cy="2387600"/>
+          </a:xfrm>
+          <a:prstGeom prst="rect">
+            <a:avLst/>
+          </a:prstGeom>
+        </p:spPr>
+        <p:txBody>
+          <a:bodyPr vert="horz" lIns="91440" tIns="45720" rIns="91440" bIns="45720" rtlCol="0" anchor="b">
+            <a:normAutofit/>
+          </a:bodyPr>
+          <a:lstStyle>
+            <a:lvl1pPr algn="ctr" defTabSz="914400" rtl="0" eaLnBrk="1" latinLnBrk="0" hangingPunct="1">
+              <a:lnSpc>
+                <a:spcPct val="90000"/>
+              </a:lnSpc>
+              <a:spcBef>
+                <a:spcPct val="0"/>
+              </a:spcBef>
+              <a:buNone/>
+              <a:defRPr sz="6000" kern="1200">
+                <a:solidFill>
+                  <a:schemeClr val="tx1"/>
+                </a:solidFill>
+                <a:latin typeface="+mj-lt"/>
+                <a:ea typeface="+mj-ea"/>
+                <a:cs typeface="+mj-cs"/>
+              </a:defRPr>
+            </a:lvl1pPr>
+          </a:lstStyle>
+          <a:p>
+            <a:r>
+              <a:rPr lang="tr-TR" sz="2000" dirty="0" smtClean="0"/>
+              <a:t>29</a:t>
+            </a:r>
+            <a:r>
+              <a:rPr lang="tr-TR" sz="2000" dirty="0" smtClean="0"/>
+              <a:t>/02/2024</a:t>
+            </a:r>
+            <a:endParaRPr lang="tr-TR" sz="2000" dirty="0"/>
           </a:p>
         </p:txBody>
       </p:sp>
@@ -3003,6 +3070,431 @@
     <p:extLst>
       <p:ext uri="{BB962C8B-B14F-4D97-AF65-F5344CB8AC3E}">
         <p14:creationId xmlns:p14="http://schemas.microsoft.com/office/powerpoint/2010/main" val="3333423486"/>
+      </p:ext>
+    </p:extLst>
+  </p:cSld>
+  <p:clrMapOvr>
+    <a:masterClrMapping/>
+  </p:clrMapOvr>
+</p:sld>
+</file>
+
+<file path=ppt/slides/slide10.xml><?xml version="1.0" encoding="utf-8"?>
+<p:sld xmlns:a="http://schemas.openxmlformats.org/drawingml/2006/main" xmlns:r="http://schemas.openxmlformats.org/officeDocument/2006/relationships" xmlns:p="http://schemas.openxmlformats.org/presentationml/2006/main">
+  <p:cSld>
+    <p:spTree>
+      <p:nvGrpSpPr>
+        <p:cNvPr id="1" name=""/>
+        <p:cNvGrpSpPr/>
+        <p:nvPr/>
+      </p:nvGrpSpPr>
+      <p:grpSpPr>
+        <a:xfrm>
+          <a:off x="0" y="0"/>
+          <a:ext cx="0" cy="0"/>
+          <a:chOff x="0" y="0"/>
+          <a:chExt cx="0" cy="0"/>
+        </a:xfrm>
+      </p:grpSpPr>
+      <p:sp>
+        <p:nvSpPr>
+          <p:cNvPr id="3" name="Content Placeholder 2"/>
+          <p:cNvSpPr>
+            <a:spLocks noGrp="1"/>
+          </p:cNvSpPr>
+          <p:nvPr>
+            <p:ph idx="1"/>
+          </p:nvPr>
+        </p:nvSpPr>
+        <p:spPr/>
+        <p:txBody>
+          <a:bodyPr/>
+          <a:lstStyle/>
+          <a:p>
+            <a:pPr marL="0" indent="0">
+              <a:buNone/>
+            </a:pPr>
+            <a:r>
+              <a:rPr lang="tr-TR" sz="3600" dirty="0"/>
+              <a:t>Needed Software</a:t>
+            </a:r>
+          </a:p>
+          <a:p>
+            <a:r>
+              <a:rPr lang="en-US" dirty="0" smtClean="0"/>
+              <a:t>CCS C Compiler</a:t>
+            </a:r>
+            <a:r>
+              <a:rPr lang="tr-TR" dirty="0" smtClean="0"/>
+              <a:t> (Coding Environment and Converter to .hex)</a:t>
+            </a:r>
+            <a:endParaRPr lang="en-US" dirty="0" smtClean="0"/>
+          </a:p>
+          <a:p>
+            <a:r>
+              <a:rPr lang="en-US" dirty="0" smtClean="0"/>
+              <a:t>Proteus</a:t>
+            </a:r>
+            <a:r>
+              <a:rPr lang="tr-TR" dirty="0" smtClean="0"/>
+              <a:t> (Simulation Environment)</a:t>
+            </a:r>
+            <a:endParaRPr lang="en-US" dirty="0" smtClean="0"/>
+          </a:p>
+          <a:p>
+            <a:r>
+              <a:rPr lang="tr-TR" dirty="0" smtClean="0"/>
+              <a:t>PIC Programmer Software</a:t>
+            </a:r>
+          </a:p>
+          <a:p>
+            <a:pPr lvl="1"/>
+            <a:r>
+              <a:rPr lang="en-US" dirty="0" smtClean="0"/>
+              <a:t>MPLAB X IPE</a:t>
+            </a:r>
+            <a:endParaRPr lang="tr-TR" dirty="0" smtClean="0"/>
+          </a:p>
+          <a:p>
+            <a:pPr lvl="1"/>
+            <a:r>
+              <a:rPr lang="en-US" dirty="0" err="1" smtClean="0"/>
+              <a:t>PICkit</a:t>
+            </a:r>
+            <a:r>
+              <a:rPr lang="en-US" dirty="0"/>
+              <a:t>™ 3 Programming App and Scripting Tool</a:t>
+            </a:r>
+          </a:p>
+        </p:txBody>
+      </p:sp>
+      <p:sp>
+        <p:nvSpPr>
+          <p:cNvPr id="5" name="Title 1"/>
+          <p:cNvSpPr>
+            <a:spLocks noGrp="1"/>
+          </p:cNvSpPr>
+          <p:nvPr>
+            <p:ph type="title"/>
+          </p:nvPr>
+        </p:nvSpPr>
+        <p:spPr>
+          <a:xfrm>
+            <a:off x="838200" y="365125"/>
+            <a:ext cx="10515600" cy="1325563"/>
+          </a:xfrm>
+        </p:spPr>
+        <p:txBody>
+          <a:bodyPr/>
+          <a:lstStyle/>
+          <a:p>
+            <a:r>
+              <a:rPr lang="tr-TR" dirty="0"/>
+              <a:t>Components and </a:t>
+            </a:r>
+            <a:r>
+              <a:rPr lang="tr-TR" dirty="0" smtClean="0"/>
+              <a:t>Software</a:t>
+            </a:r>
+            <a:endParaRPr lang="tr-TR" dirty="0"/>
+          </a:p>
+        </p:txBody>
+      </p:sp>
+    </p:spTree>
+    <p:extLst>
+      <p:ext uri="{BB962C8B-B14F-4D97-AF65-F5344CB8AC3E}">
+        <p14:creationId xmlns:p14="http://schemas.microsoft.com/office/powerpoint/2010/main" val="3117351072"/>
+      </p:ext>
+    </p:extLst>
+  </p:cSld>
+  <p:clrMapOvr>
+    <a:masterClrMapping/>
+  </p:clrMapOvr>
+  <p:timing>
+    <p:tnLst>
+      <p:par>
+        <p:cTn id="1" dur="indefinite" restart="never" nodeType="tmRoot"/>
+      </p:par>
+    </p:tnLst>
+  </p:timing>
+</p:sld>
+</file>
+
+<file path=ppt/slides/slide11.xml><?xml version="1.0" encoding="utf-8"?>
+<p:sld xmlns:a="http://schemas.openxmlformats.org/drawingml/2006/main" xmlns:r="http://schemas.openxmlformats.org/officeDocument/2006/relationships" xmlns:p="http://schemas.openxmlformats.org/presentationml/2006/main">
+  <p:cSld>
+    <p:spTree>
+      <p:nvGrpSpPr>
+        <p:cNvPr id="1" name=""/>
+        <p:cNvGrpSpPr/>
+        <p:nvPr/>
+      </p:nvGrpSpPr>
+      <p:grpSpPr>
+        <a:xfrm>
+          <a:off x="0" y="0"/>
+          <a:ext cx="0" cy="0"/>
+          <a:chOff x="0" y="0"/>
+          <a:chExt cx="0" cy="0"/>
+        </a:xfrm>
+      </p:grpSpPr>
+      <p:pic>
+        <p:nvPicPr>
+          <p:cNvPr id="4" name="Picture 3"/>
+          <p:cNvPicPr>
+            <a:picLocks noChangeAspect="1"/>
+          </p:cNvPicPr>
+          <p:nvPr/>
+        </p:nvPicPr>
+        <p:blipFill>
+          <a:blip r:embed="rId2"/>
+          <a:stretch>
+            <a:fillRect/>
+          </a:stretch>
+        </p:blipFill>
+        <p:spPr>
+          <a:xfrm>
+            <a:off x="1044551" y="187704"/>
+            <a:ext cx="9779133" cy="6567938"/>
+          </a:xfrm>
+          <a:prstGeom prst="rect">
+            <a:avLst/>
+          </a:prstGeom>
+        </p:spPr>
+      </p:pic>
+    </p:spTree>
+    <p:extLst>
+      <p:ext uri="{BB962C8B-B14F-4D97-AF65-F5344CB8AC3E}">
+        <p14:creationId xmlns:p14="http://schemas.microsoft.com/office/powerpoint/2010/main" val="2693379994"/>
+      </p:ext>
+    </p:extLst>
+  </p:cSld>
+  <p:clrMapOvr>
+    <a:masterClrMapping/>
+  </p:clrMapOvr>
+</p:sld>
+</file>
+
+<file path=ppt/slides/slide12.xml><?xml version="1.0" encoding="utf-8"?>
+<p:sld xmlns:a="http://schemas.openxmlformats.org/drawingml/2006/main" xmlns:r="http://schemas.openxmlformats.org/officeDocument/2006/relationships" xmlns:p="http://schemas.openxmlformats.org/presentationml/2006/main">
+  <p:cSld>
+    <p:spTree>
+      <p:nvGrpSpPr>
+        <p:cNvPr id="1" name=""/>
+        <p:cNvGrpSpPr/>
+        <p:nvPr/>
+      </p:nvGrpSpPr>
+      <p:grpSpPr>
+        <a:xfrm>
+          <a:off x="0" y="0"/>
+          <a:ext cx="0" cy="0"/>
+          <a:chOff x="0" y="0"/>
+          <a:chExt cx="0" cy="0"/>
+        </a:xfrm>
+      </p:grpSpPr>
+      <p:pic>
+        <p:nvPicPr>
+          <p:cNvPr id="4" name="Content Placeholder 3"/>
+          <p:cNvPicPr>
+            <a:picLocks noGrp="1" noChangeAspect="1"/>
+          </p:cNvPicPr>
+          <p:nvPr>
+            <p:ph idx="1"/>
+          </p:nvPr>
+        </p:nvPicPr>
+        <p:blipFill>
+          <a:blip r:embed="rId2"/>
+          <a:stretch>
+            <a:fillRect/>
+          </a:stretch>
+        </p:blipFill>
+        <p:spPr>
+          <a:xfrm>
+            <a:off x="534216" y="423080"/>
+            <a:ext cx="11282714" cy="6005015"/>
+          </a:xfrm>
+          <a:prstGeom prst="rect">
+            <a:avLst/>
+          </a:prstGeom>
+        </p:spPr>
+      </p:pic>
+    </p:spTree>
+    <p:extLst>
+      <p:ext uri="{BB962C8B-B14F-4D97-AF65-F5344CB8AC3E}">
+        <p14:creationId xmlns:p14="http://schemas.microsoft.com/office/powerpoint/2010/main" val="3402551229"/>
+      </p:ext>
+    </p:extLst>
+  </p:cSld>
+  <p:clrMapOvr>
+    <a:masterClrMapping/>
+  </p:clrMapOvr>
+</p:sld>
+</file>
+
+<file path=ppt/slides/slide13.xml><?xml version="1.0" encoding="utf-8"?>
+<p:sld xmlns:a="http://schemas.openxmlformats.org/drawingml/2006/main" xmlns:r="http://schemas.openxmlformats.org/officeDocument/2006/relationships" xmlns:p="http://schemas.openxmlformats.org/presentationml/2006/main">
+  <p:cSld>
+    <p:spTree>
+      <p:nvGrpSpPr>
+        <p:cNvPr id="1" name=""/>
+        <p:cNvGrpSpPr/>
+        <p:nvPr/>
+      </p:nvGrpSpPr>
+      <p:grpSpPr>
+        <a:xfrm>
+          <a:off x="0" y="0"/>
+          <a:ext cx="0" cy="0"/>
+          <a:chOff x="0" y="0"/>
+          <a:chExt cx="0" cy="0"/>
+        </a:xfrm>
+      </p:grpSpPr>
+      <p:pic>
+        <p:nvPicPr>
+          <p:cNvPr id="4" name="Content Placeholder 3"/>
+          <p:cNvPicPr>
+            <a:picLocks noGrp="1" noChangeAspect="1"/>
+          </p:cNvPicPr>
+          <p:nvPr>
+            <p:ph idx="1"/>
+          </p:nvPr>
+        </p:nvPicPr>
+        <p:blipFill>
+          <a:blip r:embed="rId2">
+            <a:extLst>
+              <a:ext uri="{28A0092B-C50C-407E-A947-70E740481C1C}">
+                <a14:useLocalDpi xmlns:a14="http://schemas.microsoft.com/office/drawing/2010/main" val="0"/>
+              </a:ext>
+            </a:extLst>
+          </a:blip>
+          <a:stretch>
+            <a:fillRect/>
+          </a:stretch>
+        </p:blipFill>
+        <p:spPr>
+          <a:xfrm>
+            <a:off x="452598" y="368490"/>
+            <a:ext cx="11408933" cy="6032310"/>
+          </a:xfrm>
+        </p:spPr>
+      </p:pic>
+    </p:spTree>
+    <p:extLst>
+      <p:ext uri="{BB962C8B-B14F-4D97-AF65-F5344CB8AC3E}">
+        <p14:creationId xmlns:p14="http://schemas.microsoft.com/office/powerpoint/2010/main" val="2619881981"/>
+      </p:ext>
+    </p:extLst>
+  </p:cSld>
+  <p:clrMapOvr>
+    <a:masterClrMapping/>
+  </p:clrMapOvr>
+</p:sld>
+</file>
+
+<file path=ppt/slides/slide14.xml><?xml version="1.0" encoding="utf-8"?>
+<p:sld xmlns:a="http://schemas.openxmlformats.org/drawingml/2006/main" xmlns:r="http://schemas.openxmlformats.org/officeDocument/2006/relationships" xmlns:p="http://schemas.openxmlformats.org/presentationml/2006/main">
+  <p:cSld>
+    <p:spTree>
+      <p:nvGrpSpPr>
+        <p:cNvPr id="1" name=""/>
+        <p:cNvGrpSpPr/>
+        <p:nvPr/>
+      </p:nvGrpSpPr>
+      <p:grpSpPr>
+        <a:xfrm>
+          <a:off x="0" y="0"/>
+          <a:ext cx="0" cy="0"/>
+          <a:chOff x="0" y="0"/>
+          <a:chExt cx="0" cy="0"/>
+        </a:xfrm>
+      </p:grpSpPr>
+      <p:pic>
+        <p:nvPicPr>
+          <p:cNvPr id="4" name="Content Placeholder 3"/>
+          <p:cNvPicPr>
+            <a:picLocks noGrp="1" noChangeAspect="1"/>
+          </p:cNvPicPr>
+          <p:nvPr>
+            <p:ph idx="1"/>
+          </p:nvPr>
+        </p:nvPicPr>
+        <p:blipFill>
+          <a:blip r:embed="rId2"/>
+          <a:stretch>
+            <a:fillRect/>
+          </a:stretch>
+        </p:blipFill>
+        <p:spPr>
+          <a:xfrm>
+            <a:off x="971255" y="0"/>
+            <a:ext cx="10475297" cy="6858000"/>
+          </a:xfrm>
+          <a:prstGeom prst="rect">
+            <a:avLst/>
+          </a:prstGeom>
+        </p:spPr>
+      </p:pic>
+    </p:spTree>
+    <p:extLst>
+      <p:ext uri="{BB962C8B-B14F-4D97-AF65-F5344CB8AC3E}">
+        <p14:creationId xmlns:p14="http://schemas.microsoft.com/office/powerpoint/2010/main" val="3191853687"/>
+      </p:ext>
+    </p:extLst>
+  </p:cSld>
+  <p:clrMapOvr>
+    <a:masterClrMapping/>
+  </p:clrMapOvr>
+</p:sld>
+</file>
+
+<file path=ppt/slides/slide15.xml><?xml version="1.0" encoding="utf-8"?>
+<p:sld xmlns:a="http://schemas.openxmlformats.org/drawingml/2006/main" xmlns:r="http://schemas.openxmlformats.org/officeDocument/2006/relationships" xmlns:p="http://schemas.openxmlformats.org/presentationml/2006/main">
+  <p:cSld>
+    <p:spTree>
+      <p:nvGrpSpPr>
+        <p:cNvPr id="1" name=""/>
+        <p:cNvGrpSpPr/>
+        <p:nvPr/>
+      </p:nvGrpSpPr>
+      <p:grpSpPr>
+        <a:xfrm>
+          <a:off x="0" y="0"/>
+          <a:ext cx="0" cy="0"/>
+          <a:chOff x="0" y="0"/>
+          <a:chExt cx="0" cy="0"/>
+        </a:xfrm>
+      </p:grpSpPr>
+      <p:pic>
+        <p:nvPicPr>
+          <p:cNvPr id="5" name="Content Placeholder 4"/>
+          <p:cNvPicPr>
+            <a:picLocks noGrp="1" noChangeAspect="1"/>
+          </p:cNvPicPr>
+          <p:nvPr>
+            <p:ph idx="1"/>
+          </p:nvPr>
+        </p:nvPicPr>
+        <p:blipFill>
+          <a:blip r:embed="rId2">
+            <a:extLst>
+              <a:ext uri="{28A0092B-C50C-407E-A947-70E740481C1C}">
+                <a14:useLocalDpi xmlns:a14="http://schemas.microsoft.com/office/drawing/2010/main" val="0"/>
+              </a:ext>
+            </a:extLst>
+          </a:blip>
+          <a:stretch>
+            <a:fillRect/>
+          </a:stretch>
+        </p:blipFill>
+        <p:spPr>
+          <a:xfrm>
+            <a:off x="922544" y="0"/>
+            <a:ext cx="10057123" cy="6858000"/>
+          </a:xfrm>
+        </p:spPr>
+      </p:pic>
+    </p:spTree>
+    <p:extLst>
+      <p:ext uri="{BB962C8B-B14F-4D97-AF65-F5344CB8AC3E}">
+        <p14:creationId xmlns:p14="http://schemas.microsoft.com/office/powerpoint/2010/main" val="1971301998"/>
       </p:ext>
     </p:extLst>
   </p:cSld>
@@ -3046,8 +3538,13 @@
           <a:p>
             <a:r>
               <a:rPr lang="tr-TR" dirty="0"/>
-              <a:t>PIC 16F877a</a:t>
-            </a:r>
+              <a:t>PIC </a:t>
+            </a:r>
+            <a:r>
+              <a:rPr lang="tr-TR" dirty="0" smtClean="0"/>
+              <a:t>16F877A</a:t>
+            </a:r>
+            <a:endParaRPr lang="tr-TR" dirty="0"/>
           </a:p>
         </p:txBody>
       </p:sp>
@@ -3127,8 +3624,13 @@
           <a:p>
             <a:r>
               <a:rPr lang="tr-TR" dirty="0"/>
-              <a:t>Components and Softwares</a:t>
-            </a:r>
+              <a:t>Components and </a:t>
+            </a:r>
+            <a:r>
+              <a:rPr lang="tr-TR" dirty="0" smtClean="0"/>
+              <a:t>Software</a:t>
+            </a:r>
+            <a:endParaRPr lang="tr-TR" dirty="0"/>
           </a:p>
         </p:txBody>
       </p:sp>
@@ -3150,7 +3652,7 @@
         </p:spPr>
         <p:txBody>
           <a:bodyPr>
-            <a:normAutofit lnSpcReduction="10000"/>
+            <a:normAutofit/>
           </a:bodyPr>
           <a:lstStyle/>
           <a:p>
@@ -3163,8 +3665,13 @@
             <a:pPr lvl="1"/>
             <a:r>
               <a:rPr lang="tr-TR" dirty="0"/>
-              <a:t>PIC 16F877a (or similar)</a:t>
-            </a:r>
+              <a:t>PIC </a:t>
+            </a:r>
+            <a:r>
+              <a:rPr lang="tr-TR" dirty="0" smtClean="0"/>
+              <a:t>16F877A</a:t>
+            </a:r>
+            <a:endParaRPr lang="tr-TR" dirty="0"/>
           </a:p>
           <a:p>
             <a:pPr lvl="1"/>
@@ -3184,34 +3691,11 @@
             <a:pPr lvl="1"/>
             <a:r>
               <a:rPr lang="tr-TR" dirty="0"/>
-              <a:t>Max232 and rs232 to usb converter or FTDI Cable or Arduino Uno without chip (needed for debugging)</a:t>
-            </a:r>
-          </a:p>
-          <a:p>
-            <a:r>
-              <a:rPr lang="tr-TR" dirty="0"/>
-              <a:t>Needed Software;</a:t>
-            </a:r>
-          </a:p>
-          <a:p>
-            <a:pPr lvl="1"/>
-            <a:r>
-              <a:rPr lang="tr-TR" dirty="0"/>
-              <a:t>Proteus for simulation</a:t>
-            </a:r>
-          </a:p>
-          <a:p>
-            <a:pPr lvl="1"/>
-            <a:r>
-              <a:rPr lang="tr-TR" dirty="0"/>
-              <a:t>CCS C Compiler (recommended)</a:t>
-            </a:r>
-          </a:p>
-          <a:p>
-            <a:pPr lvl="1"/>
-            <a:r>
-              <a:rPr lang="tr-TR" dirty="0"/>
-              <a:t>MPLAB X IPE (recommended)</a:t>
+              <a:t>Max232 and rs232 to usb converter or FTDI Cable or Arduino Uno without chip (needed for debugging</a:t>
+            </a:r>
+            <a:r>
+              <a:rPr lang="tr-TR" dirty="0" smtClean="0"/>
+              <a:t>)</a:t>
             </a:r>
           </a:p>
         </p:txBody>
@@ -3306,70 +3790,9 @@
           <a:chExt cx="0" cy="0"/>
         </a:xfrm>
       </p:grpSpPr>
-      <p:sp>
-        <p:nvSpPr>
-          <p:cNvPr id="2" name="Title 1"/>
-          <p:cNvSpPr>
-            <a:spLocks noGrp="1"/>
-          </p:cNvSpPr>
-          <p:nvPr>
-            <p:ph type="title"/>
-          </p:nvPr>
-        </p:nvSpPr>
-        <p:spPr/>
-        <p:txBody>
-          <a:bodyPr/>
-          <a:lstStyle/>
-          <a:p>
-            <a:r>
-              <a:rPr lang="tr-TR" dirty="0"/>
-              <a:t>Connections</a:t>
-            </a:r>
-          </a:p>
-        </p:txBody>
-      </p:sp>
-      <p:sp>
-        <p:nvSpPr>
-          <p:cNvPr id="3" name="Content Placeholder 2"/>
-          <p:cNvSpPr>
-            <a:spLocks noGrp="1"/>
-          </p:cNvSpPr>
-          <p:nvPr>
-            <p:ph idx="1"/>
-          </p:nvPr>
-        </p:nvSpPr>
-        <p:spPr>
-          <a:xfrm>
-            <a:off x="838200" y="1825625"/>
-            <a:ext cx="4733215" cy="4351338"/>
-          </a:xfrm>
-        </p:spPr>
-        <p:txBody>
-          <a:bodyPr/>
-          <a:lstStyle/>
-          <a:p>
-            <a:r>
-              <a:rPr lang="tr-TR" dirty="0"/>
-              <a:t>Reset pin should be powered</a:t>
-            </a:r>
-          </a:p>
-          <a:p>
-            <a:r>
-              <a:rPr lang="tr-TR" dirty="0"/>
-              <a:t>OSC1 &amp; OSC2 should be connected to crystal and 22pF capacitors</a:t>
-            </a:r>
-          </a:p>
-          <a:p>
-            <a:r>
-              <a:rPr lang="tr-TR" dirty="0"/>
-              <a:t>Programmer is connected to Reset, PGD &amp; PGC pins.</a:t>
-            </a:r>
-          </a:p>
-        </p:txBody>
-      </p:sp>
       <p:pic>
         <p:nvPicPr>
-          <p:cNvPr id="4" name="Picture 3"/>
+          <p:cNvPr id="14" name="Picture 13"/>
           <p:cNvPicPr>
             <a:picLocks noChangeAspect="1"/>
           </p:cNvPicPr>
@@ -3383,14 +3806,532 @@
         </p:blipFill>
         <p:spPr>
           <a:xfrm>
-            <a:off x="5571415" y="1704987"/>
-            <a:ext cx="6489949" cy="4592614"/>
+            <a:off x="4466470" y="4703444"/>
+            <a:ext cx="1961465" cy="1732291"/>
           </a:xfrm>
           <a:prstGeom prst="rect">
             <a:avLst/>
           </a:prstGeom>
         </p:spPr>
       </p:pic>
+      <p:pic>
+        <p:nvPicPr>
+          <p:cNvPr id="13" name="Picture 12"/>
+          <p:cNvPicPr>
+            <a:picLocks noChangeAspect="1"/>
+          </p:cNvPicPr>
+          <p:nvPr/>
+        </p:nvPicPr>
+        <p:blipFill>
+          <a:blip r:embed="rId3"/>
+          <a:stretch>
+            <a:fillRect/>
+          </a:stretch>
+        </p:blipFill>
+        <p:spPr>
+          <a:xfrm>
+            <a:off x="7981477" y="4865228"/>
+            <a:ext cx="1493601" cy="1829962"/>
+          </a:xfrm>
+          <a:prstGeom prst="rect">
+            <a:avLst/>
+          </a:prstGeom>
+        </p:spPr>
+      </p:pic>
+      <p:pic>
+        <p:nvPicPr>
+          <p:cNvPr id="10" name="Picture 9"/>
+          <p:cNvPicPr>
+            <a:picLocks noChangeAspect="1"/>
+          </p:cNvPicPr>
+          <p:nvPr/>
+        </p:nvPicPr>
+        <p:blipFill>
+          <a:blip r:embed="rId4"/>
+          <a:stretch>
+            <a:fillRect/>
+          </a:stretch>
+        </p:blipFill>
+        <p:spPr>
+          <a:xfrm>
+            <a:off x="5447203" y="2973472"/>
+            <a:ext cx="3791920" cy="1891756"/>
+          </a:xfrm>
+          <a:prstGeom prst="rect">
+            <a:avLst/>
+          </a:prstGeom>
+        </p:spPr>
+      </p:pic>
+      <p:pic>
+        <p:nvPicPr>
+          <p:cNvPr id="9" name="Picture 8"/>
+          <p:cNvPicPr>
+            <a:picLocks noChangeAspect="1"/>
+          </p:cNvPicPr>
+          <p:nvPr/>
+        </p:nvPicPr>
+        <p:blipFill>
+          <a:blip r:embed="rId5"/>
+          <a:stretch>
+            <a:fillRect/>
+          </a:stretch>
+        </p:blipFill>
+        <p:spPr>
+          <a:xfrm>
+            <a:off x="6375555" y="1557052"/>
+            <a:ext cx="2574634" cy="1539122"/>
+          </a:xfrm>
+          <a:prstGeom prst="rect">
+            <a:avLst/>
+          </a:prstGeom>
+        </p:spPr>
+      </p:pic>
+      <p:pic>
+        <p:nvPicPr>
+          <p:cNvPr id="12" name="Picture 11"/>
+          <p:cNvPicPr>
+            <a:picLocks noChangeAspect="1"/>
+          </p:cNvPicPr>
+          <p:nvPr/>
+        </p:nvPicPr>
+        <p:blipFill>
+          <a:blip r:embed="rId6"/>
+          <a:stretch>
+            <a:fillRect/>
+          </a:stretch>
+        </p:blipFill>
+        <p:spPr>
+          <a:xfrm>
+            <a:off x="7239299" y="12313"/>
+            <a:ext cx="1706792" cy="1557877"/>
+          </a:xfrm>
+          <a:prstGeom prst="rect">
+            <a:avLst/>
+          </a:prstGeom>
+        </p:spPr>
+      </p:pic>
+      <p:pic>
+        <p:nvPicPr>
+          <p:cNvPr id="5" name="Picture 4"/>
+          <p:cNvPicPr>
+            <a:picLocks noChangeAspect="1"/>
+          </p:cNvPicPr>
+          <p:nvPr/>
+        </p:nvPicPr>
+        <p:blipFill>
+          <a:blip r:embed="rId7" cstate="print">
+            <a:extLst>
+              <a:ext uri="{28A0092B-C50C-407E-A947-70E740481C1C}">
+                <a14:useLocalDpi xmlns:a14="http://schemas.microsoft.com/office/drawing/2010/main" val="0"/>
+              </a:ext>
+            </a:extLst>
+          </a:blip>
+          <a:stretch>
+            <a:fillRect/>
+          </a:stretch>
+        </p:blipFill>
+        <p:spPr>
+          <a:xfrm>
+            <a:off x="3916842" y="1128699"/>
+            <a:ext cx="2146597" cy="2146597"/>
+          </a:xfrm>
+          <a:prstGeom prst="rect">
+            <a:avLst/>
+          </a:prstGeom>
+        </p:spPr>
+      </p:pic>
+      <p:sp>
+        <p:nvSpPr>
+          <p:cNvPr id="2" name="Title 1"/>
+          <p:cNvSpPr>
+            <a:spLocks noGrp="1"/>
+          </p:cNvSpPr>
+          <p:nvPr>
+            <p:ph type="title"/>
+          </p:nvPr>
+        </p:nvSpPr>
+        <p:spPr/>
+        <p:txBody>
+          <a:bodyPr/>
+          <a:lstStyle/>
+          <a:p>
+            <a:r>
+              <a:rPr lang="tr-TR" dirty="0" smtClean="0"/>
+              <a:t>What needed as Hardware</a:t>
+            </a:r>
+            <a:endParaRPr lang="tr-TR" dirty="0"/>
+          </a:p>
+        </p:txBody>
+      </p:sp>
+      <p:sp>
+        <p:nvSpPr>
+          <p:cNvPr id="3" name="Content Placeholder 2"/>
+          <p:cNvSpPr>
+            <a:spLocks noGrp="1"/>
+          </p:cNvSpPr>
+          <p:nvPr>
+            <p:ph idx="1"/>
+          </p:nvPr>
+        </p:nvSpPr>
+        <p:spPr>
+          <a:xfrm>
+            <a:off x="838200" y="1570190"/>
+            <a:ext cx="10515600" cy="4865545"/>
+          </a:xfrm>
+        </p:spPr>
+        <p:txBody>
+          <a:bodyPr>
+            <a:normAutofit fontScale="77500" lnSpcReduction="20000"/>
+          </a:bodyPr>
+          <a:lstStyle/>
+          <a:p>
+            <a:r>
+              <a:rPr lang="en-US" dirty="0" smtClean="0"/>
+              <a:t>PIC16F877A</a:t>
+            </a:r>
+            <a:endParaRPr lang="tr-TR" dirty="0" smtClean="0"/>
+          </a:p>
+          <a:p>
+            <a:r>
+              <a:rPr lang="tr-TR" dirty="0" smtClean="0"/>
+              <a:t>40 Pin Socket</a:t>
+            </a:r>
+            <a:endParaRPr lang="en-US" dirty="0" smtClean="0"/>
+          </a:p>
+          <a:p>
+            <a:r>
+              <a:rPr lang="en-US" dirty="0" smtClean="0"/>
+              <a:t>Crystal</a:t>
+            </a:r>
+            <a:r>
+              <a:rPr lang="tr-TR" dirty="0" smtClean="0"/>
+              <a:t> 20MHz</a:t>
+            </a:r>
+            <a:endParaRPr lang="en-US" dirty="0" smtClean="0"/>
+          </a:p>
+          <a:p>
+            <a:r>
+              <a:rPr lang="en-US" dirty="0" smtClean="0"/>
+              <a:t>22 pF Capacitor (x2)</a:t>
+            </a:r>
+            <a:endParaRPr lang="tr-TR" dirty="0" smtClean="0"/>
+          </a:p>
+          <a:p>
+            <a:r>
+              <a:rPr lang="en-US" dirty="0"/>
+              <a:t>Perforated </a:t>
+            </a:r>
+            <a:r>
+              <a:rPr lang="en-US" dirty="0" smtClean="0"/>
+              <a:t>Board</a:t>
+            </a:r>
+            <a:endParaRPr lang="tr-TR" dirty="0" smtClean="0"/>
+          </a:p>
+          <a:p>
+            <a:r>
+              <a:rPr lang="tr-TR" dirty="0" smtClean="0"/>
+              <a:t>40 pin male header</a:t>
+            </a:r>
+            <a:endParaRPr lang="en-US" dirty="0" smtClean="0"/>
+          </a:p>
+          <a:p>
+            <a:r>
+              <a:rPr lang="en-US" dirty="0" smtClean="0"/>
+              <a:t>10k</a:t>
+            </a:r>
+            <a:r>
+              <a:rPr lang="el-GR" dirty="0" smtClean="0"/>
+              <a:t>Ω</a:t>
+            </a:r>
+            <a:r>
+              <a:rPr lang="en-US" dirty="0" smtClean="0"/>
+              <a:t> Potentiometer</a:t>
+            </a:r>
+          </a:p>
+          <a:p>
+            <a:r>
+              <a:rPr lang="en-US" dirty="0" smtClean="0"/>
+              <a:t>1 T</a:t>
+            </a:r>
+            <a:r>
+              <a:rPr lang="tr-TR" dirty="0" smtClean="0"/>
+              <a:t>ach</a:t>
+            </a:r>
+            <a:r>
+              <a:rPr lang="en-US" dirty="0" smtClean="0"/>
+              <a:t> Button</a:t>
+            </a:r>
+          </a:p>
+          <a:p>
+            <a:r>
+              <a:rPr lang="en-US" dirty="0" smtClean="0"/>
+              <a:t>10k Resistor</a:t>
+            </a:r>
+            <a:endParaRPr lang="tr-TR" dirty="0" smtClean="0"/>
+          </a:p>
+          <a:p>
+            <a:r>
+              <a:rPr lang="tr-TR" dirty="0" smtClean="0"/>
+              <a:t>Fuse (2A) and Fuse Socket</a:t>
+            </a:r>
+          </a:p>
+          <a:p>
+            <a:r>
+              <a:rPr lang="tr-TR" dirty="0" smtClean="0"/>
+              <a:t>7805 5V Regulator</a:t>
+            </a:r>
+          </a:p>
+          <a:p>
+            <a:r>
+              <a:rPr lang="tr-TR" dirty="0" smtClean="0"/>
+              <a:t>Terminal</a:t>
+            </a:r>
+            <a:r>
+              <a:rPr lang="en-US" dirty="0" smtClean="0"/>
+              <a:t> </a:t>
+            </a:r>
+            <a:r>
+              <a:rPr lang="tr-TR" dirty="0" smtClean="0"/>
+              <a:t>Blocks (x8)</a:t>
+            </a:r>
+            <a:endParaRPr lang="en-US" dirty="0" smtClean="0"/>
+          </a:p>
+          <a:p>
+            <a:r>
+              <a:rPr lang="tr-TR" dirty="0" smtClean="0"/>
+              <a:t>PIC Programmer (Available)</a:t>
+            </a:r>
+            <a:endParaRPr lang="en-US" dirty="0" smtClean="0"/>
+          </a:p>
+          <a:p>
+            <a:endParaRPr lang="en-US" dirty="0"/>
+          </a:p>
+        </p:txBody>
+      </p:sp>
+      <p:pic>
+        <p:nvPicPr>
+          <p:cNvPr id="4" name="Picture 3"/>
+          <p:cNvPicPr>
+            <a:picLocks noChangeAspect="1"/>
+          </p:cNvPicPr>
+          <p:nvPr/>
+        </p:nvPicPr>
+        <p:blipFill>
+          <a:blip r:embed="rId8" cstate="print">
+            <a:extLst>
+              <a:ext uri="{28A0092B-C50C-407E-A947-70E740481C1C}">
+                <a14:useLocalDpi xmlns:a14="http://schemas.microsoft.com/office/drawing/2010/main" val="0"/>
+              </a:ext>
+            </a:extLst>
+          </a:blip>
+          <a:stretch>
+            <a:fillRect/>
+          </a:stretch>
+        </p:blipFill>
+        <p:spPr>
+          <a:xfrm>
+            <a:off x="9335069" y="3969174"/>
+            <a:ext cx="2856931" cy="2856931"/>
+          </a:xfrm>
+          <a:prstGeom prst="rect">
+            <a:avLst/>
+          </a:prstGeom>
+        </p:spPr>
+      </p:pic>
+      <p:pic>
+        <p:nvPicPr>
+          <p:cNvPr id="7" name="Picture 6"/>
+          <p:cNvPicPr>
+            <a:picLocks noChangeAspect="1"/>
+          </p:cNvPicPr>
+          <p:nvPr/>
+        </p:nvPicPr>
+        <p:blipFill>
+          <a:blip r:embed="rId9"/>
+          <a:stretch>
+            <a:fillRect/>
+          </a:stretch>
+        </p:blipFill>
+        <p:spPr>
+          <a:xfrm>
+            <a:off x="10505790" y="2369408"/>
+            <a:ext cx="1432061" cy="1580382"/>
+          </a:xfrm>
+          <a:prstGeom prst="rect">
+            <a:avLst/>
+          </a:prstGeom>
+        </p:spPr>
+      </p:pic>
+      <p:pic>
+        <p:nvPicPr>
+          <p:cNvPr id="8" name="Picture 7"/>
+          <p:cNvPicPr>
+            <a:picLocks noChangeAspect="1"/>
+          </p:cNvPicPr>
+          <p:nvPr/>
+        </p:nvPicPr>
+        <p:blipFill>
+          <a:blip r:embed="rId10"/>
+          <a:stretch>
+            <a:fillRect/>
+          </a:stretch>
+        </p:blipFill>
+        <p:spPr>
+          <a:xfrm>
+            <a:off x="9475078" y="205940"/>
+            <a:ext cx="2600164" cy="1845519"/>
+          </a:xfrm>
+          <a:prstGeom prst="rect">
+            <a:avLst/>
+          </a:prstGeom>
+        </p:spPr>
+      </p:pic>
+      <p:pic>
+        <p:nvPicPr>
+          <p:cNvPr id="11" name="Picture 10"/>
+          <p:cNvPicPr>
+            <a:picLocks noChangeAspect="1"/>
+          </p:cNvPicPr>
+          <p:nvPr/>
+        </p:nvPicPr>
+        <p:blipFill>
+          <a:blip r:embed="rId11"/>
+          <a:stretch>
+            <a:fillRect/>
+          </a:stretch>
+        </p:blipFill>
+        <p:spPr>
+          <a:xfrm>
+            <a:off x="9142081" y="1846220"/>
+            <a:ext cx="939550" cy="1992083"/>
+          </a:xfrm>
+          <a:prstGeom prst="rect">
+            <a:avLst/>
+          </a:prstGeom>
+        </p:spPr>
+      </p:pic>
+      <p:pic>
+        <p:nvPicPr>
+          <p:cNvPr id="15" name="Picture 14"/>
+          <p:cNvPicPr>
+            <a:picLocks noChangeAspect="1"/>
+          </p:cNvPicPr>
+          <p:nvPr/>
+        </p:nvPicPr>
+        <p:blipFill>
+          <a:blip r:embed="rId12"/>
+          <a:stretch>
+            <a:fillRect/>
+          </a:stretch>
+        </p:blipFill>
+        <p:spPr>
+          <a:xfrm>
+            <a:off x="6298011" y="5115052"/>
+            <a:ext cx="1728584" cy="1357446"/>
+          </a:xfrm>
+          <a:prstGeom prst="rect">
+            <a:avLst/>
+          </a:prstGeom>
+        </p:spPr>
+      </p:pic>
+    </p:spTree>
+    <p:extLst>
+      <p:ext uri="{BB962C8B-B14F-4D97-AF65-F5344CB8AC3E}">
+        <p14:creationId xmlns:p14="http://schemas.microsoft.com/office/powerpoint/2010/main" val="3515996184"/>
+      </p:ext>
+    </p:extLst>
+  </p:cSld>
+  <p:clrMapOvr>
+    <a:masterClrMapping/>
+  </p:clrMapOvr>
+  <p:timing>
+    <p:tnLst>
+      <p:par>
+        <p:cTn id="1" dur="indefinite" restart="never" nodeType="tmRoot"/>
+      </p:par>
+    </p:tnLst>
+  </p:timing>
+</p:sld>
+</file>
+
+<file path=ppt/slides/slide5.xml><?xml version="1.0" encoding="utf-8"?>
+<p:sld xmlns:a="http://schemas.openxmlformats.org/drawingml/2006/main" xmlns:r="http://schemas.openxmlformats.org/officeDocument/2006/relationships" xmlns:p="http://schemas.openxmlformats.org/presentationml/2006/main">
+  <p:cSld>
+    <p:spTree>
+      <p:nvGrpSpPr>
+        <p:cNvPr id="1" name=""/>
+        <p:cNvGrpSpPr/>
+        <p:nvPr/>
+      </p:nvGrpSpPr>
+      <p:grpSpPr>
+        <a:xfrm>
+          <a:off x="0" y="0"/>
+          <a:ext cx="0" cy="0"/>
+          <a:chOff x="0" y="0"/>
+          <a:chExt cx="0" cy="0"/>
+        </a:xfrm>
+      </p:grpSpPr>
+      <p:sp>
+        <p:nvSpPr>
+          <p:cNvPr id="2" name="Title 1"/>
+          <p:cNvSpPr>
+            <a:spLocks noGrp="1"/>
+          </p:cNvSpPr>
+          <p:nvPr>
+            <p:ph type="title"/>
+          </p:nvPr>
+        </p:nvSpPr>
+        <p:spPr/>
+        <p:txBody>
+          <a:bodyPr/>
+          <a:lstStyle/>
+          <a:p>
+            <a:r>
+              <a:rPr lang="tr-TR" dirty="0"/>
+              <a:t>Connections</a:t>
+            </a:r>
+          </a:p>
+        </p:txBody>
+      </p:sp>
+      <p:sp>
+        <p:nvSpPr>
+          <p:cNvPr id="3" name="Content Placeholder 2"/>
+          <p:cNvSpPr>
+            <a:spLocks noGrp="1"/>
+          </p:cNvSpPr>
+          <p:nvPr>
+            <p:ph idx="1"/>
+          </p:nvPr>
+        </p:nvSpPr>
+        <p:spPr>
+          <a:xfrm>
+            <a:off x="838200" y="1825625"/>
+            <a:ext cx="10367865" cy="4351338"/>
+          </a:xfrm>
+        </p:spPr>
+        <p:txBody>
+          <a:bodyPr/>
+          <a:lstStyle/>
+          <a:p>
+            <a:r>
+              <a:rPr lang="tr-TR" dirty="0"/>
+              <a:t>Reset pin should be powered</a:t>
+            </a:r>
+          </a:p>
+          <a:p>
+            <a:r>
+              <a:rPr lang="tr-TR" dirty="0"/>
+              <a:t>OSC1 &amp; OSC2 should be connected to crystal and 22pF capacitors</a:t>
+            </a:r>
+          </a:p>
+          <a:p>
+            <a:r>
+              <a:rPr lang="tr-TR" dirty="0"/>
+              <a:t>Programmer is connected to Reset, PGD &amp; PGC pins.</a:t>
+            </a:r>
+          </a:p>
+        </p:txBody>
+      </p:sp>
     </p:spTree>
     <p:extLst>
       <p:ext uri="{BB962C8B-B14F-4D97-AF65-F5344CB8AC3E}">
@@ -3404,7 +4345,154 @@
 </p:sld>
 </file>
 
-<file path=ppt/slides/slide5.xml><?xml version="1.0" encoding="utf-8"?>
+<file path=ppt/slides/slide6.xml><?xml version="1.0" encoding="utf-8"?>
+<p:sld xmlns:a="http://schemas.openxmlformats.org/drawingml/2006/main" xmlns:r="http://schemas.openxmlformats.org/officeDocument/2006/relationships" xmlns:p="http://schemas.openxmlformats.org/presentationml/2006/main">
+  <p:cSld>
+    <p:spTree>
+      <p:nvGrpSpPr>
+        <p:cNvPr id="1" name=""/>
+        <p:cNvGrpSpPr/>
+        <p:nvPr/>
+      </p:nvGrpSpPr>
+      <p:grpSpPr>
+        <a:xfrm>
+          <a:off x="0" y="0"/>
+          <a:ext cx="0" cy="0"/>
+          <a:chOff x="0" y="0"/>
+          <a:chExt cx="0" cy="0"/>
+        </a:xfrm>
+      </p:grpSpPr>
+      <p:sp>
+        <p:nvSpPr>
+          <p:cNvPr id="2" name="Title 1"/>
+          <p:cNvSpPr>
+            <a:spLocks noGrp="1"/>
+          </p:cNvSpPr>
+          <p:nvPr>
+            <p:ph type="title"/>
+          </p:nvPr>
+        </p:nvSpPr>
+        <p:spPr/>
+        <p:txBody>
+          <a:bodyPr/>
+          <a:lstStyle/>
+          <a:p>
+            <a:r>
+              <a:rPr lang="tr-TR" dirty="0" smtClean="0"/>
+              <a:t>Hardware</a:t>
+            </a:r>
+            <a:endParaRPr lang="tr-TR" dirty="0"/>
+          </a:p>
+        </p:txBody>
+      </p:sp>
+      <p:sp>
+        <p:nvSpPr>
+          <p:cNvPr id="3" name="Content Placeholder 2"/>
+          <p:cNvSpPr>
+            <a:spLocks noGrp="1"/>
+          </p:cNvSpPr>
+          <p:nvPr>
+            <p:ph idx="1"/>
+          </p:nvPr>
+        </p:nvSpPr>
+        <p:spPr>
+          <a:xfrm>
+            <a:off x="838200" y="1457135"/>
+            <a:ext cx="10515600" cy="4351338"/>
+          </a:xfrm>
+        </p:spPr>
+        <p:txBody>
+          <a:bodyPr/>
+          <a:lstStyle/>
+          <a:p>
+            <a:r>
+              <a:rPr lang="en-US" dirty="0" smtClean="0"/>
+              <a:t>Minimum connection for PIC16F877A</a:t>
+            </a:r>
+          </a:p>
+        </p:txBody>
+      </p:sp>
+      <p:pic>
+        <p:nvPicPr>
+          <p:cNvPr id="4" name="Picture 3"/>
+          <p:cNvPicPr>
+            <a:picLocks noChangeAspect="1"/>
+          </p:cNvPicPr>
+          <p:nvPr/>
+        </p:nvPicPr>
+        <p:blipFill>
+          <a:blip r:embed="rId2" cstate="print">
+            <a:extLst>
+              <a:ext uri="{28A0092B-C50C-407E-A947-70E740481C1C}">
+                <a14:useLocalDpi xmlns:a14="http://schemas.microsoft.com/office/drawing/2010/main" val="0"/>
+              </a:ext>
+            </a:extLst>
+          </a:blip>
+          <a:stretch>
+            <a:fillRect/>
+          </a:stretch>
+        </p:blipFill>
+        <p:spPr>
+          <a:xfrm>
+            <a:off x="346880" y="2194760"/>
+            <a:ext cx="5304960" cy="3978720"/>
+          </a:xfrm>
+          <a:prstGeom prst="rect">
+            <a:avLst/>
+          </a:prstGeom>
+        </p:spPr>
+      </p:pic>
+      <p:pic>
+        <p:nvPicPr>
+          <p:cNvPr id="5" name="Picture 4"/>
+          <p:cNvPicPr>
+            <a:picLocks noChangeAspect="1"/>
+          </p:cNvPicPr>
+          <p:nvPr/>
+        </p:nvPicPr>
+        <p:blipFill>
+          <a:blip r:embed="rId3">
+            <a:extLst>
+              <a:ext uri="{28A0092B-C50C-407E-A947-70E740481C1C}">
+                <a14:useLocalDpi xmlns:a14="http://schemas.microsoft.com/office/drawing/2010/main" val="0"/>
+              </a:ext>
+            </a:extLst>
+          </a:blip>
+          <a:stretch>
+            <a:fillRect/>
+          </a:stretch>
+        </p:blipFill>
+        <p:spPr>
+          <a:xfrm>
+            <a:off x="5761609" y="2067238"/>
+            <a:ext cx="6296878" cy="4471248"/>
+          </a:xfrm>
+          <a:prstGeom prst="rect">
+            <a:avLst/>
+          </a:prstGeom>
+        </p:spPr>
+      </p:pic>
+    </p:spTree>
+    <p:extLst>
+      <p:ext uri="{BB962C8B-B14F-4D97-AF65-F5344CB8AC3E}">
+        <p14:creationId xmlns:p14="http://schemas.microsoft.com/office/powerpoint/2010/main" val="1606518106"/>
+      </p:ext>
+    </p:extLst>
+  </p:cSld>
+  <p:clrMapOvr>
+    <a:masterClrMapping/>
+  </p:clrMapOvr>
+  <p:timing>
+    <p:tnLst>
+      <p:par>
+        <p:cTn id="1" dur="indefinite" restart="never" nodeType="tmRoot"/>
+      </p:par>
+    </p:tnLst>
+  </p:timing>
+</p:sld>
+</file>
+
+<file path=ppt/slides/slide7.xml><?xml version="1.0" encoding="utf-8"?>
 <p:sld xmlns:a="http://schemas.openxmlformats.org/drawingml/2006/main" xmlns:r="http://schemas.openxmlformats.org/officeDocument/2006/relationships" xmlns:p="http://schemas.openxmlformats.org/presentationml/2006/main">
   <p:cSld>
     <p:spTree>
@@ -3437,139 +4525,118 @@
         </p:blipFill>
         <p:spPr>
           <a:xfrm>
-            <a:off x="1044551" y="187704"/>
-            <a:ext cx="9779133" cy="6567938"/>
+            <a:off x="2623781" y="3747975"/>
+            <a:ext cx="7096835" cy="2982181"/>
           </a:xfrm>
           <a:prstGeom prst="rect">
             <a:avLst/>
           </a:prstGeom>
         </p:spPr>
       </p:pic>
+      <p:sp>
+        <p:nvSpPr>
+          <p:cNvPr id="2" name="Title 1"/>
+          <p:cNvSpPr>
+            <a:spLocks noGrp="1"/>
+          </p:cNvSpPr>
+          <p:nvPr>
+            <p:ph type="title"/>
+          </p:nvPr>
+        </p:nvSpPr>
+        <p:spPr/>
+        <p:txBody>
+          <a:bodyPr/>
+          <a:lstStyle/>
+          <a:p>
+            <a:r>
+              <a:rPr lang="tr-TR" dirty="0"/>
+              <a:t>Proper PIC16F877A </a:t>
+            </a:r>
+            <a:r>
+              <a:rPr lang="tr-TR" dirty="0" smtClean="0"/>
+              <a:t>Custom Board</a:t>
+            </a:r>
+            <a:endParaRPr lang="tr-TR" dirty="0"/>
+          </a:p>
+        </p:txBody>
+      </p:sp>
+      <p:sp>
+        <p:nvSpPr>
+          <p:cNvPr id="5" name="Content Placeholder 4"/>
+          <p:cNvSpPr>
+            <a:spLocks noGrp="1"/>
+          </p:cNvSpPr>
+          <p:nvPr>
+            <p:ph sz="half" idx="2"/>
+          </p:nvPr>
+        </p:nvSpPr>
+        <p:spPr>
+          <a:xfrm>
+            <a:off x="838201" y="1825625"/>
+            <a:ext cx="11089942" cy="4351338"/>
+          </a:xfrm>
+        </p:spPr>
+        <p:txBody>
+          <a:bodyPr/>
+          <a:lstStyle/>
+          <a:p>
+            <a:r>
+              <a:rPr lang="en-US" dirty="0"/>
+              <a:t>Advantages;</a:t>
+            </a:r>
+          </a:p>
+          <a:p>
+            <a:pPr lvl="1"/>
+            <a:r>
+              <a:rPr lang="en-US" dirty="0"/>
+              <a:t>Strong connections</a:t>
+            </a:r>
+          </a:p>
+          <a:p>
+            <a:pPr lvl="1"/>
+            <a:r>
+              <a:rPr lang="en-US" dirty="0"/>
+              <a:t>Proper code uploading </a:t>
+            </a:r>
+            <a:r>
+              <a:rPr lang="en-US" dirty="0" smtClean="0"/>
+              <a:t>opportunity</a:t>
+            </a:r>
+            <a:r>
+              <a:rPr lang="tr-TR" dirty="0" smtClean="0"/>
+              <a:t> (less damage)</a:t>
+            </a:r>
+            <a:endParaRPr lang="en-US" dirty="0"/>
+          </a:p>
+          <a:p>
+            <a:pPr lvl="1"/>
+            <a:r>
+              <a:rPr lang="en-US" dirty="0"/>
+              <a:t>Customization possibility</a:t>
+            </a:r>
+          </a:p>
+          <a:p>
+            <a:endParaRPr lang="tr-TR" dirty="0"/>
+          </a:p>
+        </p:txBody>
+      </p:sp>
     </p:spTree>
     <p:extLst>
       <p:ext uri="{BB962C8B-B14F-4D97-AF65-F5344CB8AC3E}">
-        <p14:creationId xmlns:p14="http://schemas.microsoft.com/office/powerpoint/2010/main" val="2693379994"/>
+        <p14:creationId xmlns:p14="http://schemas.microsoft.com/office/powerpoint/2010/main" val="1713785730"/>
       </p:ext>
     </p:extLst>
   </p:cSld>
   <p:clrMapOvr>
     <a:masterClrMapping/>
   </p:clrMapOvr>
-</p:sld>
-</file>
-
-<file path=ppt/slides/slide6.xml><?xml version="1.0" encoding="utf-8"?>
-<p:sld xmlns:a="http://schemas.openxmlformats.org/drawingml/2006/main" xmlns:r="http://schemas.openxmlformats.org/officeDocument/2006/relationships" xmlns:p="http://schemas.openxmlformats.org/presentationml/2006/main">
-  <p:cSld>
-    <p:spTree>
-      <p:nvGrpSpPr>
-        <p:cNvPr id="1" name=""/>
-        <p:cNvGrpSpPr/>
-        <p:nvPr/>
-      </p:nvGrpSpPr>
-      <p:grpSpPr>
-        <a:xfrm>
-          <a:off x="0" y="0"/>
-          <a:ext cx="0" cy="0"/>
-          <a:chOff x="0" y="0"/>
-          <a:chExt cx="0" cy="0"/>
-        </a:xfrm>
-      </p:grpSpPr>
-      <p:pic>
-        <p:nvPicPr>
-          <p:cNvPr id="4" name="Content Placeholder 3"/>
-          <p:cNvPicPr>
-            <a:picLocks noGrp="1" noChangeAspect="1"/>
-          </p:cNvPicPr>
-          <p:nvPr>
-            <p:ph idx="1"/>
-          </p:nvPr>
-        </p:nvPicPr>
-        <p:blipFill>
-          <a:blip r:embed="rId2"/>
-          <a:stretch>
-            <a:fillRect/>
-          </a:stretch>
-        </p:blipFill>
-        <p:spPr>
-          <a:xfrm>
-            <a:off x="534216" y="423080"/>
-            <a:ext cx="11282714" cy="6005015"/>
-          </a:xfrm>
-          <a:prstGeom prst="rect">
-            <a:avLst/>
-          </a:prstGeom>
-        </p:spPr>
-      </p:pic>
-    </p:spTree>
-    <p:extLst>
-      <p:ext uri="{BB962C8B-B14F-4D97-AF65-F5344CB8AC3E}">
-        <p14:creationId xmlns:p14="http://schemas.microsoft.com/office/powerpoint/2010/main" val="3402551229"/>
-      </p:ext>
-    </p:extLst>
-  </p:cSld>
-  <p:clrMapOvr>
-    <a:masterClrMapping/>
-  </p:clrMapOvr>
-</p:sld>
-</file>
-
-<file path=ppt/slides/slide7.xml><?xml version="1.0" encoding="utf-8"?>
-<p:sld xmlns:a="http://schemas.openxmlformats.org/drawingml/2006/main" xmlns:r="http://schemas.openxmlformats.org/officeDocument/2006/relationships" xmlns:p="http://schemas.openxmlformats.org/presentationml/2006/main">
-  <p:cSld>
-    <p:spTree>
-      <p:nvGrpSpPr>
-        <p:cNvPr id="1" name=""/>
-        <p:cNvGrpSpPr/>
-        <p:nvPr/>
-      </p:nvGrpSpPr>
-      <p:grpSpPr>
-        <a:xfrm>
-          <a:off x="0" y="0"/>
-          <a:ext cx="0" cy="0"/>
-          <a:chOff x="0" y="0"/>
-          <a:chExt cx="0" cy="0"/>
-        </a:xfrm>
-      </p:grpSpPr>
-      <p:pic>
-        <p:nvPicPr>
-          <p:cNvPr id="4" name="Content Placeholder 3"/>
-          <p:cNvPicPr>
-            <a:picLocks noGrp="1" noChangeAspect="1"/>
-          </p:cNvPicPr>
-          <p:nvPr>
-            <p:ph idx="1"/>
-          </p:nvPr>
-        </p:nvPicPr>
-        <p:blipFill>
-          <a:blip r:embed="rId2">
-            <a:extLst>
-              <a:ext uri="{28A0092B-C50C-407E-A947-70E740481C1C}">
-                <a14:useLocalDpi xmlns:a14="http://schemas.microsoft.com/office/drawing/2010/main" val="0"/>
-              </a:ext>
-            </a:extLst>
-          </a:blip>
-          <a:stretch>
-            <a:fillRect/>
-          </a:stretch>
-        </p:blipFill>
-        <p:spPr>
-          <a:xfrm>
-            <a:off x="452598" y="368490"/>
-            <a:ext cx="11408933" cy="6032310"/>
-          </a:xfrm>
-        </p:spPr>
-      </p:pic>
-    </p:spTree>
-    <p:extLst>
-      <p:ext uri="{BB962C8B-B14F-4D97-AF65-F5344CB8AC3E}">
-        <p14:creationId xmlns:p14="http://schemas.microsoft.com/office/powerpoint/2010/main" val="2619881981"/>
-      </p:ext>
-    </p:extLst>
-  </p:cSld>
-  <p:clrMapOvr>
-    <a:masterClrMapping/>
-  </p:clrMapOvr>
+  <p:timing>
+    <p:tnLst>
+      <p:par>
+        <p:cTn id="1" dur="indefinite" restart="never" nodeType="tmRoot"/>
+      </p:par>
+    </p:tnLst>
+  </p:timing>
 </p:sld>
 </file>
 
@@ -3608,8 +4675,37 @@
         </p:blipFill>
         <p:spPr>
           <a:xfrm>
-            <a:off x="971255" y="0"/>
-            <a:ext cx="10475297" cy="6858000"/>
+            <a:off x="97307" y="146949"/>
+            <a:ext cx="8269092" cy="5503224"/>
+          </a:xfrm>
+          <a:prstGeom prst="rect">
+            <a:avLst/>
+          </a:prstGeom>
+        </p:spPr>
+      </p:pic>
+      <p:pic>
+        <p:nvPicPr>
+          <p:cNvPr id="2" name="Picture 1"/>
+          <p:cNvPicPr>
+            <a:picLocks noChangeAspect="1"/>
+          </p:cNvPicPr>
+          <p:nvPr/>
+        </p:nvPicPr>
+        <p:blipFill rotWithShape="1">
+          <a:blip r:embed="rId3" cstate="print">
+            <a:extLst>
+              <a:ext uri="{28A0092B-C50C-407E-A947-70E740481C1C}">
+                <a14:useLocalDpi xmlns:a14="http://schemas.microsoft.com/office/drawing/2010/main" val="0"/>
+              </a:ext>
+            </a:extLst>
+          </a:blip>
+          <a:srcRect r="43769"/>
+          <a:stretch/>
+        </p:blipFill>
+        <p:spPr>
+          <a:xfrm rot="5400000">
+            <a:off x="7541974" y="2501401"/>
+            <a:ext cx="4394581" cy="3950127"/>
           </a:xfrm>
           <a:prstGeom prst="rect">
             <a:avLst/>
@@ -3619,13 +4715,20 @@
     </p:spTree>
     <p:extLst>
       <p:ext uri="{BB962C8B-B14F-4D97-AF65-F5344CB8AC3E}">
-        <p14:creationId xmlns:p14="http://schemas.microsoft.com/office/powerpoint/2010/main" val="3191853687"/>
+        <p14:creationId xmlns:p14="http://schemas.microsoft.com/office/powerpoint/2010/main" val="1808789342"/>
       </p:ext>
     </p:extLst>
   </p:cSld>
   <p:clrMapOvr>
     <a:masterClrMapping/>
   </p:clrMapOvr>
+  <p:timing>
+    <p:tnLst>
+      <p:par>
+        <p:cTn id="1" dur="indefinite" restart="never" nodeType="tmRoot"/>
+      </p:par>
+    </p:tnLst>
+  </p:timing>
 </p:sld>
 </file>
 
@@ -3648,7 +4751,7 @@
       </p:grpSpPr>
       <p:pic>
         <p:nvPicPr>
-          <p:cNvPr id="5" name="Content Placeholder 4"/>
+          <p:cNvPr id="4" name="Content Placeholder 3"/>
           <p:cNvPicPr>
             <a:picLocks noGrp="1" noChangeAspect="1"/>
           </p:cNvPicPr>
@@ -3657,7 +4760,7 @@
           </p:nvPr>
         </p:nvPicPr>
         <p:blipFill>
-          <a:blip r:embed="rId2">
+          <a:blip r:embed="rId2" cstate="print">
             <a:extLst>
               <a:ext uri="{28A0092B-C50C-407E-A947-70E740481C1C}">
                 <a14:useLocalDpi xmlns:a14="http://schemas.microsoft.com/office/drawing/2010/main" val="0"/>
@@ -3670,21 +4773,148 @@
         </p:blipFill>
         <p:spPr>
           <a:xfrm>
-            <a:off x="922544" y="0"/>
-            <a:ext cx="10057123" cy="6858000"/>
-          </a:xfrm>
+            <a:off x="182073" y="160727"/>
+            <a:ext cx="4128718" cy="3096539"/>
+          </a:xfrm>
+        </p:spPr>
+      </p:pic>
+      <p:pic>
+        <p:nvPicPr>
+          <p:cNvPr id="5" name="Picture 4"/>
+          <p:cNvPicPr>
+            <a:picLocks noChangeAspect="1"/>
+          </p:cNvPicPr>
+          <p:nvPr/>
+        </p:nvPicPr>
+        <p:blipFill>
+          <a:blip r:embed="rId3" cstate="print">
+            <a:extLst>
+              <a:ext uri="{28A0092B-C50C-407E-A947-70E740481C1C}">
+                <a14:useLocalDpi xmlns:a14="http://schemas.microsoft.com/office/drawing/2010/main" val="0"/>
+              </a:ext>
+            </a:extLst>
+          </a:blip>
+          <a:stretch>
+            <a:fillRect/>
+          </a:stretch>
+        </p:blipFill>
+        <p:spPr>
+          <a:xfrm>
+            <a:off x="182073" y="3338422"/>
+            <a:ext cx="4128718" cy="3096539"/>
+          </a:xfrm>
+          <a:prstGeom prst="rect">
+            <a:avLst/>
+          </a:prstGeom>
+        </p:spPr>
+      </p:pic>
+      <p:pic>
+        <p:nvPicPr>
+          <p:cNvPr id="7" name="Picture 6"/>
+          <p:cNvPicPr>
+            <a:picLocks noChangeAspect="1"/>
+          </p:cNvPicPr>
+          <p:nvPr/>
+        </p:nvPicPr>
+        <p:blipFill>
+          <a:blip r:embed="rId4" cstate="print">
+            <a:extLst>
+              <a:ext uri="{28A0092B-C50C-407E-A947-70E740481C1C}">
+                <a14:useLocalDpi xmlns:a14="http://schemas.microsoft.com/office/drawing/2010/main" val="0"/>
+              </a:ext>
+            </a:extLst>
+          </a:blip>
+          <a:stretch>
+            <a:fillRect/>
+          </a:stretch>
+        </p:blipFill>
+        <p:spPr>
+          <a:xfrm>
+            <a:off x="4413850" y="160727"/>
+            <a:ext cx="4128719" cy="3096539"/>
+          </a:xfrm>
+          <a:prstGeom prst="rect">
+            <a:avLst/>
+          </a:prstGeom>
+        </p:spPr>
+      </p:pic>
+      <p:pic>
+        <p:nvPicPr>
+          <p:cNvPr id="8" name="Picture 7"/>
+          <p:cNvPicPr>
+            <a:picLocks noChangeAspect="1"/>
+          </p:cNvPicPr>
+          <p:nvPr/>
+        </p:nvPicPr>
+        <p:blipFill>
+          <a:blip r:embed="rId5" cstate="print">
+            <a:extLst>
+              <a:ext uri="{28A0092B-C50C-407E-A947-70E740481C1C}">
+                <a14:useLocalDpi xmlns:a14="http://schemas.microsoft.com/office/drawing/2010/main" val="0"/>
+              </a:ext>
+            </a:extLst>
+          </a:blip>
+          <a:stretch>
+            <a:fillRect/>
+          </a:stretch>
+        </p:blipFill>
+        <p:spPr>
+          <a:xfrm>
+            <a:off x="4413850" y="3338422"/>
+            <a:ext cx="4128719" cy="3096539"/>
+          </a:xfrm>
+          <a:prstGeom prst="rect">
+            <a:avLst/>
+          </a:prstGeom>
+        </p:spPr>
+      </p:pic>
+      <p:pic>
+        <p:nvPicPr>
+          <p:cNvPr id="9" name="Picture 8"/>
+          <p:cNvPicPr>
+            <a:picLocks noChangeAspect="1"/>
+          </p:cNvPicPr>
+          <p:nvPr/>
+        </p:nvPicPr>
+        <p:blipFill>
+          <a:blip r:embed="rId6" cstate="print">
+            <a:extLst>
+              <a:ext uri="{28A0092B-C50C-407E-A947-70E740481C1C}">
+                <a14:useLocalDpi xmlns:a14="http://schemas.microsoft.com/office/drawing/2010/main" val="0"/>
+              </a:ext>
+            </a:extLst>
+          </a:blip>
+          <a:stretch>
+            <a:fillRect/>
+          </a:stretch>
+        </p:blipFill>
+        <p:spPr>
+          <a:xfrm rot="5400000">
+            <a:off x="8071553" y="1616197"/>
+            <a:ext cx="4592600" cy="3444450"/>
+          </a:xfrm>
+          <a:prstGeom prst="rect">
+            <a:avLst/>
+          </a:prstGeom>
         </p:spPr>
       </p:pic>
     </p:spTree>
     <p:extLst>
       <p:ext uri="{BB962C8B-B14F-4D97-AF65-F5344CB8AC3E}">
-        <p14:creationId xmlns:p14="http://schemas.microsoft.com/office/powerpoint/2010/main" val="1971301998"/>
+        <p14:creationId xmlns:p14="http://schemas.microsoft.com/office/powerpoint/2010/main" val="1721630781"/>
       </p:ext>
     </p:extLst>
   </p:cSld>
   <p:clrMapOvr>
     <a:masterClrMapping/>
   </p:clrMapOvr>
+  <p:timing>
+    <p:tnLst>
+      <p:par>
+        <p:cTn id="1" dur="indefinite" restart="never" nodeType="tmRoot"/>
+      </p:par>
+    </p:tnLst>
+  </p:timing>
 </p:sld>
 </file>
 

--- a/Microcontoller.pptx
+++ b/Microcontoller.pptx
@@ -3056,11 +3056,7 @@
           <a:p>
             <a:r>
               <a:rPr lang="tr-TR" sz="2000" dirty="0" smtClean="0"/>
-              <a:t>29</a:t>
-            </a:r>
-            <a:r>
-              <a:rPr lang="tr-TR" sz="2000" dirty="0" smtClean="0"/>
-              <a:t>/02/2024</a:t>
+              <a:t>29/02/2024</a:t>
             </a:r>
             <a:endParaRPr lang="tr-TR" sz="2000" dirty="0"/>
           </a:p>
@@ -3981,7 +3977,7 @@
         </p:spPr>
         <p:txBody>
           <a:bodyPr>
-            <a:normAutofit fontScale="77500" lnSpcReduction="20000"/>
+            <a:normAutofit fontScale="70000" lnSpcReduction="20000"/>
           </a:bodyPr>
           <a:lstStyle/>
           <a:p>
@@ -4012,7 +4008,26 @@
           <a:p>
             <a:r>
               <a:rPr lang="en-US" dirty="0" smtClean="0"/>
-              <a:t>22 pF Capacitor (x2)</a:t>
+              <a:t>22 pF Capacitor (x2</a:t>
+            </a:r>
+            <a:r>
+              <a:rPr lang="en-US" dirty="0" smtClean="0"/>
+              <a:t>)</a:t>
+            </a:r>
+            <a:endParaRPr lang="tr-TR" dirty="0" smtClean="0"/>
+          </a:p>
+          <a:p>
+            <a:r>
+              <a:rPr lang="tr-TR" dirty="0" smtClean="0"/>
+              <a:t>100 </a:t>
+            </a:r>
+            <a:r>
+              <a:rPr lang="el-GR" dirty="0" smtClean="0"/>
+              <a:t>μ</a:t>
+            </a:r>
+            <a:r>
+              <a:rPr lang="tr-TR" dirty="0" smtClean="0"/>
+              <a:t>F Capacitor (x2)</a:t>
             </a:r>
             <a:endParaRPr lang="tr-TR" dirty="0" smtClean="0"/>
           </a:p>
